--- a/docs/madeinjlm_s_summary.pptx
+++ b/docs/madeinjlm_s_summary.pptx
@@ -17,6 +17,7 @@
     <p:sldId id="262" r:id="rId14"/>
     <p:sldId id="263" r:id="rId15"/>
     <p:sldId id="264" r:id="rId16"/>
+    <p:sldId id="265" r:id="rId17"/>
   </p:sldIdLst>
   <p:sldSz cx="13004800" cy="9753600"/>
   <p:notesSz cx="6858000" cy="9144000"/>
@@ -3193,6 +3194,126 @@
 </p:sld>
 </file>
 
+<file path=ppt/slides/slide10.xml><?xml version="1.0" encoding="utf-8"?>
+<p:sld xmlns:a="http://schemas.openxmlformats.org/drawingml/2006/main" xmlns:r="http://schemas.openxmlformats.org/officeDocument/2006/relationships" xmlns:p="http://schemas.openxmlformats.org/presentationml/2006/main" showMasterSp="1" showMasterPhAnim="1">
+  <p:cSld>
+    <p:spTree>
+      <p:nvGrpSpPr>
+        <p:cNvPr id="1" name=""/>
+        <p:cNvGrpSpPr/>
+        <p:nvPr/>
+      </p:nvGrpSpPr>
+      <p:grpSpPr>
+        <a:xfrm>
+          <a:off x="0" y="0"/>
+          <a:ext cx="0" cy="0"/>
+          <a:chOff x="0" y="0"/>
+          <a:chExt cx="0" cy="0"/>
+        </a:xfrm>
+      </p:grpSpPr>
+      <p:sp>
+        <p:nvSpPr>
+          <p:cNvPr id="150" name="Shape 150"/>
+          <p:cNvSpPr/>
+          <p:nvPr>
+            <p:ph type="ctrTitle"/>
+          </p:nvPr>
+        </p:nvSpPr>
+        <p:spPr>
+          <a:xfrm>
+            <a:off x="1270000" y="2641600"/>
+            <a:ext cx="10464800" cy="3302000"/>
+          </a:xfrm>
+          <a:prstGeom prst="rect">
+            <a:avLst/>
+          </a:prstGeom>
+        </p:spPr>
+        <p:txBody>
+          <a:bodyPr/>
+          <a:lstStyle>
+            <a:lvl1pPr>
+              <a:defRPr b="1">
+                <a:solidFill>
+                  <a:srgbClr val="FFFFFF"/>
+                </a:solidFill>
+                <a:latin typeface="Helvetica"/>
+                <a:ea typeface="Helvetica"/>
+                <a:cs typeface="Helvetica"/>
+                <a:sym typeface="Helvetica"/>
+              </a:defRPr>
+            </a:lvl1pPr>
+          </a:lstStyle>
+          <a:p>
+            <a:pPr/>
+            <a:r>
+              <a:t>And that’s it…</a:t>
+            </a:r>
+          </a:p>
+        </p:txBody>
+      </p:sp>
+      <p:sp>
+        <p:nvSpPr>
+          <p:cNvPr id="151" name="Shape 151"/>
+          <p:cNvSpPr/>
+          <p:nvPr>
+            <p:ph type="subTitle" sz="quarter" idx="1"/>
+          </p:nvPr>
+        </p:nvSpPr>
+        <p:spPr>
+          <a:xfrm>
+            <a:off x="1270000" y="5956300"/>
+            <a:ext cx="10464800" cy="2240558"/>
+          </a:xfrm>
+          <a:prstGeom prst="rect">
+            <a:avLst/>
+          </a:prstGeom>
+        </p:spPr>
+        <p:txBody>
+          <a:bodyPr/>
+          <a:lstStyle/>
+          <a:p>
+            <a:pPr defTabSz="578358">
+              <a:defRPr b="1" sz="5841">
+                <a:solidFill>
+                  <a:srgbClr val="FFFFFF"/>
+                </a:solidFill>
+                <a:latin typeface="Helvetica"/>
+                <a:ea typeface="Helvetica"/>
+                <a:cs typeface="Helvetica"/>
+                <a:sym typeface="Helvetica"/>
+              </a:defRPr>
+            </a:pPr>
+            <a:r>
+              <a:t>Thank you for your attention!</a:t>
+            </a:r>
+          </a:p>
+          <a:p>
+            <a:pPr defTabSz="578358">
+              <a:defRPr b="1" sz="5841">
+                <a:solidFill>
+                  <a:srgbClr val="FFFFFF"/>
+                </a:solidFill>
+                <a:latin typeface="Helvetica"/>
+                <a:ea typeface="Helvetica"/>
+                <a:cs typeface="Helvetica"/>
+                <a:sym typeface="Helvetica"/>
+              </a:defRPr>
+            </a:pPr>
+            <a:r>
+              <a:t>Any questions?</a:t>
+            </a:r>
+          </a:p>
+        </p:txBody>
+      </p:sp>
+    </p:spTree>
+  </p:cSld>
+  <p:clrMapOvr>
+    <a:masterClrMapping/>
+  </p:clrMapOvr>
+  <p:transition xmlns:p14="http://schemas.microsoft.com/office/powerpoint/2010/main" spd="med" advClick="1" p14:dur="1000"/>
+</p:sld>
+</file>
+
 <file path=ppt/slides/slide2.xml><?xml version="1.0" encoding="utf-8"?>
 <p:sld xmlns:a="http://schemas.openxmlformats.org/drawingml/2006/main" xmlns:r="http://schemas.openxmlformats.org/officeDocument/2006/relationships" xmlns:p="http://schemas.openxmlformats.org/presentationml/2006/main" showMasterSp="1" showMasterPhAnim="1">
   <p:cSld>
